--- a/documentation/Präsentationsfolien Assignement 2.pptx
+++ b/documentation/Präsentationsfolien Assignement 2.pptx
@@ -17,6 +17,7 @@
     <p:sldId id="262" r:id="rId14"/>
     <p:sldId id="263" r:id="rId15"/>
     <p:sldId id="264" r:id="rId16"/>
+    <p:sldId id="265" r:id="rId17"/>
   </p:sldIdLst>
   <p:sldSz cx="24384000" cy="13716000"/>
   <p:notesSz cx="6858000" cy="9144000"/>
@@ -344,7 +345,7 @@
       </p:grpSpPr>
       <p:sp>
         <p:nvSpPr>
-          <p:cNvPr id="150" name="Shape 150"/>
+          <p:cNvPr id="160" name="Shape 160"/>
           <p:cNvSpPr/>
           <p:nvPr>
             <p:ph type="sldImg"/>
@@ -369,7 +370,7 @@
       </p:sp>
       <p:sp>
         <p:nvSpPr>
-          <p:cNvPr id="151" name="Shape 151"/>
+          <p:cNvPr id="161" name="Shape 161"/>
           <p:cNvSpPr/>
           <p:nvPr>
             <p:ph type="body" sz="quarter" idx="1"/>
@@ -1642,9 +1643,9 @@
 </p:sldLayout>
 </file>
 
-<file path=ppt/slideLayouts/slideLayout2.xml><?xml version="1.0" encoding="utf-8"?>
+<file path=ppt/slideLayouts/slideLayout16.xml><?xml version="1.0" encoding="utf-8"?>
 <p:sldLayout xmlns:a="http://schemas.openxmlformats.org/drawingml/2006/main" xmlns:r="http://schemas.openxmlformats.org/officeDocument/2006/relationships" xmlns:p="http://schemas.openxmlformats.org/presentationml/2006/main" xmlns:m="http://schemas.openxmlformats.org/officeDocument/2006/math" xmlns:a14="http://schemas.microsoft.com/office/drawing/2010/main" type="tx" showMasterSp="1" showMasterPhAnim="1">
-  <p:cSld name="Title &amp; Photo">
+  <p:cSld name="Title">
     <p:spTree>
       <p:nvGrpSpPr>
         <p:cNvPr id="1" name=""/>
@@ -1661,75 +1662,16 @@
       </p:grpSpPr>
       <p:sp>
         <p:nvSpPr>
-          <p:cNvPr id="23" name="666699290_02_crop_3159x1892.jpg"/>
-          <p:cNvSpPr/>
-          <p:nvPr>
-            <p:ph type="pic" idx="21"/>
-          </p:nvPr>
-        </p:nvSpPr>
-        <p:spPr>
-          <a:xfrm>
-            <a:off x="-1155700" y="-1295400"/>
-            <a:ext cx="26746200" cy="16018933"/>
-          </a:xfrm>
-          <a:prstGeom prst="rect">
-            <a:avLst/>
-          </a:prstGeom>
-        </p:spPr>
-        <p:txBody>
-          <a:bodyPr lIns="91439" tIns="45719" rIns="91439" bIns="45719">
-            <a:noAutofit/>
-          </a:bodyPr>
-          <a:lstStyle/>
-          <a:p>
-            <a:pPr/>
-          </a:p>
-        </p:txBody>
-      </p:sp>
-      <p:sp>
-        <p:nvSpPr>
-          <p:cNvPr id="24" name="Presentation Title"/>
+          <p:cNvPr id="151" name="Author and Date"/>
           <p:cNvSpPr txBox="1"/>
           <p:nvPr>
-            <p:ph type="title" hasCustomPrompt="1"/>
+            <p:ph type="body" sz="quarter" idx="21" hasCustomPrompt="1"/>
           </p:nvPr>
         </p:nvSpPr>
         <p:spPr>
           <a:xfrm>
-            <a:off x="1206500" y="7124700"/>
-            <a:ext cx="21971000" cy="4648200"/>
-          </a:xfrm>
-          <a:prstGeom prst="rect">
-            <a:avLst/>
-          </a:prstGeom>
-        </p:spPr>
-        <p:txBody>
-          <a:bodyPr anchor="b"/>
-          <a:lstStyle>
-            <a:lvl1pPr>
-              <a:defRPr spc="-232" sz="11600"/>
-            </a:lvl1pPr>
-          </a:lstStyle>
-          <a:p>
-            <a:pPr/>
-            <a:r>
-              <a:t>Presentation Title</a:t>
-            </a:r>
-          </a:p>
-        </p:txBody>
-      </p:sp>
-      <p:sp>
-        <p:nvSpPr>
-          <p:cNvPr id="25" name="Author and Date"/>
-          <p:cNvSpPr txBox="1"/>
-          <p:nvPr>
-            <p:ph type="body" sz="quarter" idx="22" hasCustomPrompt="1"/>
-          </p:nvPr>
-        </p:nvSpPr>
-        <p:spPr>
-          <a:xfrm>
-            <a:off x="1207690" y="1106137"/>
-            <a:ext cx="21968621" cy="636979"/>
+            <a:off x="1201340" y="11859862"/>
+            <a:ext cx="21971003" cy="636979"/>
           </a:xfrm>
           <a:prstGeom prst="rect">
             <a:avLst/>
@@ -1760,7 +1702,39 @@
       </p:sp>
       <p:sp>
         <p:nvSpPr>
-          <p:cNvPr id="26" name="Body Level One…"/>
+          <p:cNvPr id="152" name="Presentation Title"/>
+          <p:cNvSpPr txBox="1"/>
+          <p:nvPr>
+            <p:ph type="title" hasCustomPrompt="1"/>
+          </p:nvPr>
+        </p:nvSpPr>
+        <p:spPr>
+          <a:xfrm>
+            <a:off x="1206496" y="2574991"/>
+            <a:ext cx="21971004" cy="4648201"/>
+          </a:xfrm>
+          <a:prstGeom prst="rect">
+            <a:avLst/>
+          </a:prstGeom>
+        </p:spPr>
+        <p:txBody>
+          <a:bodyPr anchor="b"/>
+          <a:lstStyle>
+            <a:lvl1pPr>
+              <a:defRPr spc="-232" sz="11600"/>
+            </a:lvl1pPr>
+          </a:lstStyle>
+          <a:p>
+            <a:pPr/>
+            <a:r>
+              <a:t>Presentation Title</a:t>
+            </a:r>
+          </a:p>
+        </p:txBody>
+      </p:sp>
+      <p:sp>
+        <p:nvSpPr>
+          <p:cNvPr id="153" name="Body Level One…"/>
           <p:cNvSpPr txBox="1"/>
           <p:nvPr>
             <p:ph type="body" sz="quarter" idx="1" hasCustomPrompt="1"/>
@@ -1768,8 +1742,8 @@
         </p:nvSpPr>
         <p:spPr>
           <a:xfrm>
-            <a:off x="1206500" y="11609910"/>
-            <a:ext cx="21971000" cy="1116952"/>
+            <a:off x="1201342" y="7223190"/>
+            <a:ext cx="21971001" cy="1905001"/>
           </a:xfrm>
           <a:prstGeom prst="rect">
             <a:avLst/>
@@ -1868,7 +1842,7 @@
       </p:sp>
       <p:sp>
         <p:nvSpPr>
-          <p:cNvPr id="27" name="Slide Number"/>
+          <p:cNvPr id="154" name="Slide Number"/>
           <p:cNvSpPr txBox="1"/>
           <p:nvPr>
             <p:ph type="sldNum" sz="quarter" idx="2"/>
@@ -1897,9 +1871,9 @@
 </p:sldLayout>
 </file>
 
-<file path=ppt/slideLayouts/slideLayout3.xml><?xml version="1.0" encoding="utf-8"?>
+<file path=ppt/slideLayouts/slideLayout2.xml><?xml version="1.0" encoding="utf-8"?>
 <p:sldLayout xmlns:a="http://schemas.openxmlformats.org/drawingml/2006/main" xmlns:r="http://schemas.openxmlformats.org/officeDocument/2006/relationships" xmlns:p="http://schemas.openxmlformats.org/presentationml/2006/main" xmlns:m="http://schemas.openxmlformats.org/officeDocument/2006/math" xmlns:a14="http://schemas.microsoft.com/office/drawing/2010/main" type="tx" showMasterSp="1" showMasterPhAnim="1">
-  <p:cSld name="Title &amp; Photo Alt">
+  <p:cSld name="Title &amp; Photo">
     <p:spTree>
       <p:nvGrpSpPr>
         <p:cNvPr id="1" name=""/>
@@ -1916,7 +1890,7 @@
       </p:grpSpPr>
       <p:sp>
         <p:nvSpPr>
-          <p:cNvPr id="34" name="910457886_1434x1669.jpg"/>
+          <p:cNvPr id="23" name="666699290_02_crop_3159x1892.jpg"/>
           <p:cNvSpPr/>
           <p:nvPr>
             <p:ph type="pic" idx="21"/>
@@ -1924,8 +1898,8 @@
         </p:nvSpPr>
         <p:spPr>
           <a:xfrm>
-            <a:off x="10972800" y="-203200"/>
-            <a:ext cx="12144837" cy="14135100"/>
+            <a:off x="-1155700" y="-1295400"/>
+            <a:ext cx="26746200" cy="16018933"/>
           </a:xfrm>
           <a:prstGeom prst="rect">
             <a:avLst/>
@@ -1943,7 +1917,7 @@
       </p:sp>
       <p:sp>
         <p:nvSpPr>
-          <p:cNvPr id="35" name="Slide Title"/>
+          <p:cNvPr id="24" name="Presentation Title"/>
           <p:cNvSpPr txBox="1"/>
           <p:nvPr>
             <p:ph type="title" hasCustomPrompt="1"/>
@@ -1951,8 +1925,8 @@
         </p:nvSpPr>
         <p:spPr>
           <a:xfrm>
-            <a:off x="1206500" y="1270000"/>
-            <a:ext cx="9779000" cy="5882273"/>
+            <a:off x="1206500" y="7124700"/>
+            <a:ext cx="21971000" cy="4648200"/>
           </a:xfrm>
           <a:prstGeom prst="rect">
             <a:avLst/>
@@ -1960,18 +1934,62 @@
         </p:spPr>
         <p:txBody>
           <a:bodyPr anchor="b"/>
-          <a:lstStyle/>
+          <a:lstStyle>
+            <a:lvl1pPr>
+              <a:defRPr spc="-232" sz="11600"/>
+            </a:lvl1pPr>
+          </a:lstStyle>
           <a:p>
             <a:pPr/>
             <a:r>
-              <a:t>Slide Title</a:t>
-            </a:r>
-          </a:p>
-        </p:txBody>
-      </p:sp>
-      <p:sp>
-        <p:nvSpPr>
-          <p:cNvPr id="36" name="Body Level One…"/>
+              <a:t>Presentation Title</a:t>
+            </a:r>
+          </a:p>
+        </p:txBody>
+      </p:sp>
+      <p:sp>
+        <p:nvSpPr>
+          <p:cNvPr id="25" name="Author and Date"/>
+          <p:cNvSpPr txBox="1"/>
+          <p:nvPr>
+            <p:ph type="body" sz="quarter" idx="22" hasCustomPrompt="1"/>
+          </p:nvPr>
+        </p:nvSpPr>
+        <p:spPr>
+          <a:xfrm>
+            <a:off x="1207690" y="1106137"/>
+            <a:ext cx="21968621" cy="636979"/>
+          </a:xfrm>
+          <a:prstGeom prst="rect">
+            <a:avLst/>
+          </a:prstGeom>
+        </p:spPr>
+        <p:txBody>
+          <a:bodyPr lIns="45719" tIns="45719" rIns="45719" bIns="45719"/>
+          <a:lstStyle>
+            <a:lvl1pPr marL="0" indent="0" defTabSz="825500">
+              <a:lnSpc>
+                <a:spcPct val="100000"/>
+              </a:lnSpc>
+              <a:spcBef>
+                <a:spcPts val="0"/>
+              </a:spcBef>
+              <a:buSzTx/>
+              <a:buNone/>
+              <a:defRPr b="1" sz="3600"/>
+            </a:lvl1pPr>
+          </a:lstStyle>
+          <a:p>
+            <a:pPr/>
+            <a:r>
+              <a:t>Author and Date</a:t>
+            </a:r>
+          </a:p>
+        </p:txBody>
+      </p:sp>
+      <p:sp>
+        <p:nvSpPr>
+          <p:cNvPr id="26" name="Body Level One…"/>
           <p:cNvSpPr txBox="1"/>
           <p:nvPr>
             <p:ph type="body" sz="quarter" idx="1" hasCustomPrompt="1"/>
@@ -1979,8 +1997,8 @@
         </p:nvSpPr>
         <p:spPr>
           <a:xfrm>
-            <a:off x="1206500" y="7060576"/>
-            <a:ext cx="9779000" cy="5385424"/>
+            <a:off x="1206500" y="11609910"/>
+            <a:ext cx="21971000" cy="1116952"/>
           </a:xfrm>
           <a:prstGeom prst="rect">
             <a:avLst/>
@@ -2048,6 +2066,217 @@
           <a:p>
             <a:pPr/>
             <a:r>
+              <a:t>Presentation Subtitle</a:t>
+            </a:r>
+          </a:p>
+          <a:p>
+            <a:pPr lvl="1"/>
+            <a:r>
+              <a:t/>
+            </a:r>
+          </a:p>
+          <a:p>
+            <a:pPr lvl="2"/>
+            <a:r>
+              <a:t/>
+            </a:r>
+          </a:p>
+          <a:p>
+            <a:pPr lvl="3"/>
+            <a:r>
+              <a:t/>
+            </a:r>
+          </a:p>
+          <a:p>
+            <a:pPr lvl="4"/>
+            <a:r>
+              <a:t/>
+            </a:r>
+          </a:p>
+        </p:txBody>
+      </p:sp>
+      <p:sp>
+        <p:nvSpPr>
+          <p:cNvPr id="27" name="Slide Number"/>
+          <p:cNvSpPr txBox="1"/>
+          <p:nvPr>
+            <p:ph type="sldNum" sz="quarter" idx="2"/>
+          </p:nvPr>
+        </p:nvSpPr>
+        <p:spPr>
+          <a:prstGeom prst="rect">
+            <a:avLst/>
+          </a:prstGeom>
+        </p:spPr>
+        <p:txBody>
+          <a:bodyPr/>
+          <a:lstStyle/>
+          <a:p>
+            <a:pPr/>
+            <a:fld id="{86CB4B4D-7CA3-9044-876B-883B54F8677D}" type="slidenum"/>
+          </a:p>
+        </p:txBody>
+      </p:sp>
+    </p:spTree>
+  </p:cSld>
+  <p:clrMapOvr>
+    <a:masterClrMapping/>
+  </p:clrMapOvr>
+  <p:transition xmlns:p14="http://schemas.microsoft.com/office/powerpoint/2010/main" spd="med" advClick="1"/>
+</p:sldLayout>
+</file>
+
+<file path=ppt/slideLayouts/slideLayout3.xml><?xml version="1.0" encoding="utf-8"?>
+<p:sldLayout xmlns:a="http://schemas.openxmlformats.org/drawingml/2006/main" xmlns:r="http://schemas.openxmlformats.org/officeDocument/2006/relationships" xmlns:p="http://schemas.openxmlformats.org/presentationml/2006/main" xmlns:m="http://schemas.openxmlformats.org/officeDocument/2006/math" xmlns:a14="http://schemas.microsoft.com/office/drawing/2010/main" type="tx" showMasterSp="1" showMasterPhAnim="1">
+  <p:cSld name="Title &amp; Photo Alt">
+    <p:spTree>
+      <p:nvGrpSpPr>
+        <p:cNvPr id="1" name=""/>
+        <p:cNvGrpSpPr/>
+        <p:nvPr/>
+      </p:nvGrpSpPr>
+      <p:grpSpPr>
+        <a:xfrm>
+          <a:off x="0" y="0"/>
+          <a:ext cx="0" cy="0"/>
+          <a:chOff x="0" y="0"/>
+          <a:chExt cx="0" cy="0"/>
+        </a:xfrm>
+      </p:grpSpPr>
+      <p:sp>
+        <p:nvSpPr>
+          <p:cNvPr id="34" name="910457886_1434x1669.jpg"/>
+          <p:cNvSpPr/>
+          <p:nvPr>
+            <p:ph type="pic" idx="21"/>
+          </p:nvPr>
+        </p:nvSpPr>
+        <p:spPr>
+          <a:xfrm>
+            <a:off x="10972800" y="-203200"/>
+            <a:ext cx="12144837" cy="14135100"/>
+          </a:xfrm>
+          <a:prstGeom prst="rect">
+            <a:avLst/>
+          </a:prstGeom>
+        </p:spPr>
+        <p:txBody>
+          <a:bodyPr lIns="91439" tIns="45719" rIns="91439" bIns="45719">
+            <a:noAutofit/>
+          </a:bodyPr>
+          <a:lstStyle/>
+          <a:p>
+            <a:pPr/>
+          </a:p>
+        </p:txBody>
+      </p:sp>
+      <p:sp>
+        <p:nvSpPr>
+          <p:cNvPr id="35" name="Slide Title"/>
+          <p:cNvSpPr txBox="1"/>
+          <p:nvPr>
+            <p:ph type="title" hasCustomPrompt="1"/>
+          </p:nvPr>
+        </p:nvSpPr>
+        <p:spPr>
+          <a:xfrm>
+            <a:off x="1206500" y="1270000"/>
+            <a:ext cx="9779000" cy="5882273"/>
+          </a:xfrm>
+          <a:prstGeom prst="rect">
+            <a:avLst/>
+          </a:prstGeom>
+        </p:spPr>
+        <p:txBody>
+          <a:bodyPr anchor="b"/>
+          <a:lstStyle/>
+          <a:p>
+            <a:pPr/>
+            <a:r>
+              <a:t>Slide Title</a:t>
+            </a:r>
+          </a:p>
+        </p:txBody>
+      </p:sp>
+      <p:sp>
+        <p:nvSpPr>
+          <p:cNvPr id="36" name="Body Level One…"/>
+          <p:cNvSpPr txBox="1"/>
+          <p:nvPr>
+            <p:ph type="body" sz="quarter" idx="1" hasCustomPrompt="1"/>
+          </p:nvPr>
+        </p:nvSpPr>
+        <p:spPr>
+          <a:xfrm>
+            <a:off x="1206500" y="7060576"/>
+            <a:ext cx="9779000" cy="5385424"/>
+          </a:xfrm>
+          <a:prstGeom prst="rect">
+            <a:avLst/>
+          </a:prstGeom>
+        </p:spPr>
+        <p:txBody>
+          <a:bodyPr/>
+          <a:lstStyle>
+            <a:lvl1pPr marL="0" indent="0" defTabSz="825500">
+              <a:lnSpc>
+                <a:spcPct val="100000"/>
+              </a:lnSpc>
+              <a:spcBef>
+                <a:spcPts val="0"/>
+              </a:spcBef>
+              <a:buSzTx/>
+              <a:buNone/>
+              <a:defRPr b="1" sz="5500"/>
+            </a:lvl1pPr>
+            <a:lvl2pPr marL="0" indent="457200" defTabSz="825500">
+              <a:lnSpc>
+                <a:spcPct val="100000"/>
+              </a:lnSpc>
+              <a:spcBef>
+                <a:spcPts val="0"/>
+              </a:spcBef>
+              <a:buSzTx/>
+              <a:buNone/>
+              <a:defRPr b="1" sz="5500"/>
+            </a:lvl2pPr>
+            <a:lvl3pPr marL="0" indent="914400" defTabSz="825500">
+              <a:lnSpc>
+                <a:spcPct val="100000"/>
+              </a:lnSpc>
+              <a:spcBef>
+                <a:spcPts val="0"/>
+              </a:spcBef>
+              <a:buSzTx/>
+              <a:buNone/>
+              <a:defRPr b="1" sz="5500"/>
+            </a:lvl3pPr>
+            <a:lvl4pPr marL="0" indent="1371600" defTabSz="825500">
+              <a:lnSpc>
+                <a:spcPct val="100000"/>
+              </a:lnSpc>
+              <a:spcBef>
+                <a:spcPts val="0"/>
+              </a:spcBef>
+              <a:buSzTx/>
+              <a:buNone/>
+              <a:defRPr b="1" sz="5500"/>
+            </a:lvl4pPr>
+            <a:lvl5pPr marL="0" indent="1828800" defTabSz="825500">
+              <a:lnSpc>
+                <a:spcPct val="100000"/>
+              </a:lnSpc>
+              <a:spcBef>
+                <a:spcPts val="0"/>
+              </a:spcBef>
+              <a:buSzTx/>
+              <a:buNone/>
+              <a:defRPr b="1" sz="5500"/>
+            </a:lvl5pPr>
+          </a:lstStyle>
+          <a:p>
+            <a:pPr/>
+            <a:r>
               <a:t>Slide Subtitle</a:t>
             </a:r>
           </a:p>
@@ -3170,6 +3399,7 @@
     <p:sldLayoutId id="2147483661" r:id="rId14"/>
     <p:sldLayoutId id="2147483662" r:id="rId15"/>
     <p:sldLayoutId id="2147483663" r:id="rId16"/>
+    <p:sldLayoutId id="2147483664" r:id="rId17"/>
   </p:sldLayoutIdLst>
   <p:transition xmlns:p14="http://schemas.microsoft.com/office/powerpoint/2010/main" spd="med" advClick="1"/>
   <p:txStyles>
@@ -3904,7 +4134,7 @@
       </p:grpSpPr>
       <p:sp>
         <p:nvSpPr>
-          <p:cNvPr id="153" name="Web Technologies"/>
+          <p:cNvPr id="163" name="Web Technologies"/>
           <p:cNvSpPr txBox="1"/>
           <p:nvPr>
             <p:ph type="ctrTitle"/>
@@ -3932,7 +4162,7 @@
       </p:sp>
       <p:sp>
         <p:nvSpPr>
-          <p:cNvPr id="154" name="Assignment 2"/>
+          <p:cNvPr id="164" name="Assignment 2"/>
           <p:cNvSpPr txBox="1"/>
           <p:nvPr>
             <p:ph type="subTitle" sz="quarter" idx="1"/>
@@ -3960,7 +4190,7 @@
       </p:sp>
       <p:sp>
         <p:nvSpPr>
-          <p:cNvPr id="155" name="Slide Number"/>
+          <p:cNvPr id="165" name="Slide Number"/>
           <p:cNvSpPr txBox="1"/>
           <p:nvPr>
             <p:ph type="sldNum" sz="quarter" idx="4294967295"/>
@@ -3991,7 +4221,7 @@
       </p:sp>
       <p:pic>
         <p:nvPicPr>
-          <p:cNvPr id="156" name="SpaceX.jpg" descr="SpaceX.jpg"/>
+          <p:cNvPr id="166" name="SpaceX.jpg" descr="SpaceX.jpg"/>
           <p:cNvPicPr>
             <a:picLocks noChangeAspect="1"/>
           </p:cNvPicPr>
@@ -4020,7 +4250,7 @@
       </p:pic>
       <p:sp>
         <p:nvSpPr>
-          <p:cNvPr id="157" name="SpaceX public domain photo"/>
+          <p:cNvPr id="167" name="SpaceX public domain photo"/>
           <p:cNvSpPr txBox="1"/>
           <p:nvPr/>
         </p:nvSpPr>
@@ -4064,7 +4294,7 @@
       </p:sp>
       <p:sp>
         <p:nvSpPr>
-          <p:cNvPr id="158" name="Konzept für JavaScript-basierte Lösung (Angular) zum Thema Verbesserung für Ankündigungen von Abschlussarbeiten"/>
+          <p:cNvPr id="168" name="Konzept für JavaScript-basierte Lösung (Angular) zum Thema Verbesserung für Ankündigungen von Abschlussarbeiten"/>
           <p:cNvSpPr txBox="1"/>
           <p:nvPr/>
         </p:nvSpPr>
@@ -4102,6 +4332,144 @@
             <a:pPr/>
             <a:r>
               <a:t>Konzept für JavaScript-basierte Lösung (Angular) zum Thema Verbesserung für Ankündigungen von Abschlussarbeiten</a:t>
+            </a:r>
+          </a:p>
+        </p:txBody>
+      </p:sp>
+    </p:spTree>
+  </p:cSld>
+  <p:clrMapOvr>
+    <a:masterClrMapping/>
+  </p:clrMapOvr>
+  <p:transition xmlns:p14="http://schemas.microsoft.com/office/powerpoint/2010/main" spd="med" advClick="1"/>
+</p:sld>
+</file>
+
+<file path=ppt/slides/slide10.xml><?xml version="1.0" encoding="utf-8"?>
+<p:sld xmlns:a="http://schemas.openxmlformats.org/drawingml/2006/main" xmlns:r="http://schemas.openxmlformats.org/officeDocument/2006/relationships" xmlns:p="http://schemas.openxmlformats.org/presentationml/2006/main" xmlns:m="http://schemas.openxmlformats.org/officeDocument/2006/math" xmlns:a14="http://schemas.microsoft.com/office/drawing/2010/main" showMasterSp="1" showMasterPhAnim="1">
+  <p:cSld>
+    <p:spTree>
+      <p:nvGrpSpPr>
+        <p:cNvPr id="1" name=""/>
+        <p:cNvGrpSpPr/>
+        <p:nvPr/>
+      </p:nvGrpSpPr>
+      <p:grpSpPr>
+        <a:xfrm>
+          <a:off x="0" y="0"/>
+          <a:ext cx="0" cy="0"/>
+          <a:chOff x="0" y="0"/>
+          <a:chExt cx="0" cy="0"/>
+        </a:xfrm>
+      </p:grpSpPr>
+      <p:sp>
+        <p:nvSpPr>
+          <p:cNvPr id="229" name="Slide Number"/>
+          <p:cNvSpPr txBox="1"/>
+          <p:nvPr>
+            <p:ph type="sldNum" sz="quarter" idx="4294967295"/>
+          </p:nvPr>
+        </p:nvSpPr>
+        <p:spPr>
+          <a:prstGeom prst="rect">
+            <a:avLst/>
+          </a:prstGeom>
+          <a:extLst>
+            <a:ext uri="{C572A759-6A51-4108-AA02-DFA0A04FC94B}">
+              <ma14:wrappingTextBoxFlag xmlns:ma14="http://schemas.microsoft.com/office/mac/drawingml/2011/main" val="1"/>
+            </a:ext>
+          </a:extLst>
+        </p:spPr>
+        <p:txBody>
+          <a:bodyPr/>
+          <a:lstStyle/>
+          <a:p>
+            <a:pPr/>
+            <a:fld id="{86CB4B4D-7CA3-9044-876B-883B54F8677D}" type="slidenum"/>
+          </a:p>
+        </p:txBody>
+      </p:sp>
+      <p:sp>
+        <p:nvSpPr>
+          <p:cNvPr id="230" name="Rectangle"/>
+          <p:cNvSpPr/>
+          <p:nvPr/>
+        </p:nvSpPr>
+        <p:spPr>
+          <a:xfrm>
+            <a:off x="-10592" y="-25781"/>
+            <a:ext cx="24405184" cy="13767562"/>
+          </a:xfrm>
+          <a:prstGeom prst="rect">
+            <a:avLst/>
+          </a:prstGeom>
+          <a:solidFill>
+            <a:schemeClr val="accent1">
+              <a:lumOff val="-13575"/>
+            </a:schemeClr>
+          </a:solidFill>
+          <a:ln w="12700">
+            <a:miter lim="400000"/>
+          </a:ln>
+        </p:spPr>
+        <p:txBody>
+          <a:bodyPr lIns="50800" tIns="50800" rIns="50800" bIns="50800" anchor="ctr"/>
+          <a:lstStyle/>
+          <a:p>
+            <a:pPr defTabSz="825500">
+              <a:defRPr sz="3200">
+                <a:solidFill>
+                  <a:srgbClr val="FFFFFF"/>
+                </a:solidFill>
+                <a:latin typeface="Helvetica Neue Medium"/>
+                <a:ea typeface="Helvetica Neue Medium"/>
+                <a:cs typeface="Helvetica Neue Medium"/>
+                <a:sym typeface="Helvetica Neue Medium"/>
+              </a:defRPr>
+            </a:pPr>
+          </a:p>
+        </p:txBody>
+      </p:sp>
+      <p:sp>
+        <p:nvSpPr>
+          <p:cNvPr id="231" name="3. Anwendungsstruktur"/>
+          <p:cNvSpPr txBox="1"/>
+          <p:nvPr/>
+        </p:nvSpPr>
+        <p:spPr>
+          <a:xfrm>
+            <a:off x="719277" y="3095261"/>
+            <a:ext cx="22756808" cy="1726185"/>
+          </a:xfrm>
+          <a:prstGeom prst="rect">
+            <a:avLst/>
+          </a:prstGeom>
+          <a:ln w="12700">
+            <a:miter lim="400000"/>
+          </a:ln>
+          <a:extLst>
+            <a:ext uri="{C572A759-6A51-4108-AA02-DFA0A04FC94B}">
+              <ma14:wrappingTextBoxFlag xmlns:ma14="http://schemas.microsoft.com/office/mac/drawingml/2011/main" val="1"/>
+            </a:ext>
+          </a:extLst>
+        </p:spPr>
+        <p:txBody>
+          <a:bodyPr lIns="50800" tIns="50800" rIns="50800" bIns="50800" anchor="ctr">
+            <a:spAutoFit/>
+          </a:bodyPr>
+          <a:lstStyle>
+            <a:lvl1pPr algn="l">
+              <a:defRPr sz="11000">
+                <a:solidFill>
+                  <a:srgbClr val="FFFFFF"/>
+                </a:solidFill>
+              </a:defRPr>
+            </a:lvl1pPr>
+          </a:lstStyle>
+          <a:p>
+            <a:pPr/>
+            <a:r>
+              <a:t>3. Anwendungsstruktur</a:t>
             </a:r>
           </a:p>
         </p:txBody>
@@ -4134,7 +4502,7 @@
       </p:grpSpPr>
       <p:sp>
         <p:nvSpPr>
-          <p:cNvPr id="160" name="Rectangle"/>
+          <p:cNvPr id="170" name="Rectangle"/>
           <p:cNvSpPr/>
           <p:nvPr/>
         </p:nvSpPr>
@@ -4173,7 +4541,7 @@
       </p:sp>
       <p:sp>
         <p:nvSpPr>
-          <p:cNvPr id="161" name="Slide Number"/>
+          <p:cNvPr id="171" name="Slide Number"/>
           <p:cNvSpPr txBox="1"/>
           <p:nvPr>
             <p:ph type="sldNum" sz="quarter" idx="4294967295"/>
@@ -4204,7 +4572,7 @@
       </p:sp>
       <p:sp>
         <p:nvSpPr>
-          <p:cNvPr id="162" name="Rectangle"/>
+          <p:cNvPr id="172" name="Rectangle"/>
           <p:cNvSpPr/>
           <p:nvPr/>
         </p:nvSpPr>
@@ -4245,7 +4613,7 @@
       </p:sp>
       <p:sp>
         <p:nvSpPr>
-          <p:cNvPr id="163" name="Inhalt"/>
+          <p:cNvPr id="173" name="Inhalt"/>
           <p:cNvSpPr txBox="1"/>
           <p:nvPr/>
         </p:nvSpPr>
@@ -4289,7 +4657,7 @@
       </p:sp>
       <p:graphicFrame>
         <p:nvGraphicFramePr>
-          <p:cNvPr id="164" name="Table"/>
+          <p:cNvPr id="174" name="Table"/>
           <p:cNvGraphicFramePr/>
           <p:nvPr/>
         </p:nvGraphicFramePr>
@@ -4399,7 +4767,7 @@
       </p:graphicFrame>
       <p:sp>
         <p:nvSpPr>
-          <p:cNvPr id="165" name="Konzept für JavaScript-basierte Lösung (Angular) zum Thema Verbesserung für Ankündigungen von Abschlussarbeiten"/>
+          <p:cNvPr id="175" name="Konzept für JavaScript-basierte Lösung (Angular) zum Thema Verbesserung für Ankündigungen von Abschlussarbeiten"/>
           <p:cNvSpPr txBox="1"/>
           <p:nvPr/>
         </p:nvSpPr>
@@ -4469,7 +4837,7 @@
       </p:grpSpPr>
       <p:sp>
         <p:nvSpPr>
-          <p:cNvPr id="167" name="Slide Number"/>
+          <p:cNvPr id="177" name="Slide Number"/>
           <p:cNvSpPr txBox="1"/>
           <p:nvPr>
             <p:ph type="sldNum" sz="quarter" idx="4294967295"/>
@@ -4500,7 +4868,7 @@
       </p:sp>
       <p:sp>
         <p:nvSpPr>
-          <p:cNvPr id="168" name="Rectangle"/>
+          <p:cNvPr id="178" name="Rectangle"/>
           <p:cNvSpPr/>
           <p:nvPr/>
         </p:nvSpPr>
@@ -4541,7 +4909,7 @@
       </p:sp>
       <p:sp>
         <p:nvSpPr>
-          <p:cNvPr id="169" name="1. Zielgruppen"/>
+          <p:cNvPr id="179" name="1. Zielgruppen"/>
           <p:cNvSpPr txBox="1"/>
           <p:nvPr/>
         </p:nvSpPr>
@@ -4611,7 +4979,7 @@
       </p:grpSpPr>
       <p:sp>
         <p:nvSpPr>
-          <p:cNvPr id="171" name="Zielgruppen"/>
+          <p:cNvPr id="181" name="Zielgruppen"/>
           <p:cNvSpPr/>
           <p:nvPr/>
         </p:nvSpPr>
@@ -4660,7 +5028,7 @@
       </p:sp>
       <p:graphicFrame>
         <p:nvGraphicFramePr>
-          <p:cNvPr id="172" name="Table"/>
+          <p:cNvPr id="182" name="Table"/>
           <p:cNvGraphicFramePr/>
           <p:nvPr/>
         </p:nvGraphicFramePr>
@@ -5288,7 +5656,7 @@
       </p:graphicFrame>
       <p:sp>
         <p:nvSpPr>
-          <p:cNvPr id="173" name="Auswertung der Features nach Relevanz für Nutzerprofile (Nutzerprofil 1 am wichtigsten)."/>
+          <p:cNvPr id="183" name="Auswertung der Features nach Relevanz für Nutzerprofile (Nutzerprofil 1 am wichtigsten)."/>
           <p:cNvSpPr txBox="1"/>
           <p:nvPr/>
         </p:nvSpPr>
@@ -5354,7 +5722,7 @@
       </p:grpSpPr>
       <p:sp>
         <p:nvSpPr>
-          <p:cNvPr id="175" name="Slide Number"/>
+          <p:cNvPr id="185" name="Slide Number"/>
           <p:cNvSpPr txBox="1"/>
           <p:nvPr>
             <p:ph type="sldNum" sz="quarter" idx="4294967295"/>
@@ -5385,7 +5753,7 @@
       </p:sp>
       <p:sp>
         <p:nvSpPr>
-          <p:cNvPr id="176" name="Rectangle"/>
+          <p:cNvPr id="186" name="Rectangle"/>
           <p:cNvSpPr/>
           <p:nvPr/>
         </p:nvSpPr>
@@ -5426,7 +5794,7 @@
       </p:sp>
       <p:sp>
         <p:nvSpPr>
-          <p:cNvPr id="177" name="2. Wireframes und Funktionalitäten"/>
+          <p:cNvPr id="187" name="2. Wireframes und Funktionalitäten"/>
           <p:cNvSpPr txBox="1"/>
           <p:nvPr/>
         </p:nvSpPr>
@@ -5496,7 +5864,7 @@
       </p:grpSpPr>
       <p:pic>
         <p:nvPicPr>
-          <p:cNvPr id="179" name="Mockup_Akkordeon.png" descr="Mockup_Akkordeon.png"/>
+          <p:cNvPr id="189" name="Mockup_Akkordeon.png" descr="Mockup_Akkordeon.png"/>
           <p:cNvPicPr>
             <a:picLocks noChangeAspect="1"/>
           </p:cNvPicPr>
@@ -5525,7 +5893,7 @@
       </p:pic>
       <p:sp>
         <p:nvSpPr>
-          <p:cNvPr id="180" name="Die Arbeitsthemen sind nach Institut und danach nach Professur sortiert (anschließend alphabetisch)"/>
+          <p:cNvPr id="190" name="Die Arbeitsthemen sind nach Institut und danach nach Professur sortiert (anschließend alphabetisch)"/>
           <p:cNvSpPr/>
           <p:nvPr/>
         </p:nvSpPr>
@@ -5574,7 +5942,7 @@
       </p:sp>
       <p:sp>
         <p:nvSpPr>
-          <p:cNvPr id="181" name="Toggle all  =&gt;  alle aufklappen…"/>
+          <p:cNvPr id="191" name="Toggle all  =&gt;  alle aufklappen…"/>
           <p:cNvSpPr/>
           <p:nvPr/>
         </p:nvSpPr>
@@ -5712,7 +6080,7 @@
       </p:sp>
       <p:sp>
         <p:nvSpPr>
-          <p:cNvPr id="182" name="1"/>
+          <p:cNvPr id="192" name="1"/>
           <p:cNvSpPr/>
           <p:nvPr/>
         </p:nvSpPr>
@@ -5757,7 +6125,7 @@
       </p:sp>
       <p:sp>
         <p:nvSpPr>
-          <p:cNvPr id="183" name="2"/>
+          <p:cNvPr id="193" name="2"/>
           <p:cNvSpPr/>
           <p:nvPr/>
         </p:nvSpPr>
@@ -5802,7 +6170,7 @@
       </p:sp>
       <p:sp>
         <p:nvSpPr>
-          <p:cNvPr id="184" name="3"/>
+          <p:cNvPr id="194" name="3"/>
           <p:cNvSpPr/>
           <p:nvPr/>
         </p:nvSpPr>
@@ -5847,7 +6215,7 @@
       </p:sp>
       <p:sp>
         <p:nvSpPr>
-          <p:cNvPr id="185" name="4"/>
+          <p:cNvPr id="195" name="4"/>
           <p:cNvSpPr/>
           <p:nvPr/>
         </p:nvSpPr>
@@ -5892,7 +6260,7 @@
       </p:sp>
       <p:sp>
         <p:nvSpPr>
-          <p:cNvPr id="186" name="5"/>
+          <p:cNvPr id="196" name="5"/>
           <p:cNvSpPr/>
           <p:nvPr/>
         </p:nvSpPr>
@@ -5937,7 +6305,7 @@
       </p:sp>
       <p:sp>
         <p:nvSpPr>
-          <p:cNvPr id="187" name="Slide Number"/>
+          <p:cNvPr id="197" name="Slide Number"/>
           <p:cNvSpPr txBox="1"/>
           <p:nvPr>
             <p:ph type="sldNum" sz="quarter" idx="4294967295"/>
@@ -5968,7 +6336,7 @@
       </p:sp>
       <p:sp>
         <p:nvSpPr>
-          <p:cNvPr id="188" name="Wireframes und Funktionalitäten"/>
+          <p:cNvPr id="198" name="Wireframes und Funktionalitäten"/>
           <p:cNvSpPr/>
           <p:nvPr/>
         </p:nvSpPr>
@@ -6043,7 +6411,7 @@
       </p:grpSpPr>
       <p:sp>
         <p:nvSpPr>
-          <p:cNvPr id="190" name="Filtermöglichkeit bei der Ansicht (first draft mock-up)"/>
+          <p:cNvPr id="200" name="Filtermöglichkeit bei der Ansicht (first draft mock-up)"/>
           <p:cNvSpPr/>
           <p:nvPr/>
         </p:nvSpPr>
@@ -6092,7 +6460,7 @@
       </p:sp>
       <p:pic>
         <p:nvPicPr>
-          <p:cNvPr id="191" name="Mockup_Filterfunktion.png" descr="Mockup_Filterfunktion.png"/>
+          <p:cNvPr id="201" name="Mockup_Filterfunktion.png" descr="Mockup_Filterfunktion.png"/>
           <p:cNvPicPr>
             <a:picLocks noChangeAspect="1"/>
           </p:cNvPicPr>
@@ -6121,7 +6489,7 @@
       </p:pic>
       <p:sp>
         <p:nvSpPr>
-          <p:cNvPr id="192" name="Arbeitstyp wählen…"/>
+          <p:cNvPr id="202" name="Arbeitstyp wählen…"/>
           <p:cNvSpPr/>
           <p:nvPr/>
         </p:nvSpPr>
@@ -6309,7 +6677,7 @@
       </p:sp>
       <p:sp>
         <p:nvSpPr>
-          <p:cNvPr id="193" name="1"/>
+          <p:cNvPr id="203" name="1"/>
           <p:cNvSpPr/>
           <p:nvPr/>
         </p:nvSpPr>
@@ -6354,7 +6722,7 @@
       </p:sp>
       <p:sp>
         <p:nvSpPr>
-          <p:cNvPr id="194" name="2"/>
+          <p:cNvPr id="204" name="2"/>
           <p:cNvSpPr/>
           <p:nvPr/>
         </p:nvSpPr>
@@ -6399,7 +6767,7 @@
       </p:sp>
       <p:sp>
         <p:nvSpPr>
-          <p:cNvPr id="195" name="3"/>
+          <p:cNvPr id="205" name="3"/>
           <p:cNvSpPr/>
           <p:nvPr/>
         </p:nvSpPr>
@@ -6444,7 +6812,7 @@
       </p:sp>
       <p:sp>
         <p:nvSpPr>
-          <p:cNvPr id="196" name="4"/>
+          <p:cNvPr id="206" name="4"/>
           <p:cNvSpPr/>
           <p:nvPr/>
         </p:nvSpPr>
@@ -6489,7 +6857,7 @@
       </p:sp>
       <p:sp>
         <p:nvSpPr>
-          <p:cNvPr id="197" name="Slide Number"/>
+          <p:cNvPr id="207" name="Slide Number"/>
           <p:cNvSpPr txBox="1"/>
           <p:nvPr>
             <p:ph type="sldNum" sz="quarter" idx="4294967295"/>
@@ -6520,7 +6888,7 @@
       </p:sp>
       <p:sp>
         <p:nvSpPr>
-          <p:cNvPr id="198" name="Wireframes und Funktionalitäten"/>
+          <p:cNvPr id="208" name="Wireframes und Funktionalitäten"/>
           <p:cNvSpPr/>
           <p:nvPr/>
         </p:nvSpPr>
@@ -6593,9 +6961,40 @@
           <a:chExt cx="0" cy="0"/>
         </a:xfrm>
       </p:grpSpPr>
+      <p:sp>
+        <p:nvSpPr>
+          <p:cNvPr id="210" name="Slide Number"/>
+          <p:cNvSpPr txBox="1"/>
+          <p:nvPr>
+            <p:ph type="sldNum" sz="quarter" idx="4294967295"/>
+          </p:nvPr>
+        </p:nvSpPr>
+        <p:spPr>
+          <a:xfrm>
+            <a:off x="12065050" y="13080999"/>
+            <a:ext cx="241403" cy="374600"/>
+          </a:xfrm>
+          <a:prstGeom prst="rect">
+            <a:avLst/>
+          </a:prstGeom>
+          <a:extLst>
+            <a:ext uri="{C572A759-6A51-4108-AA02-DFA0A04FC94B}">
+              <ma14:wrappingTextBoxFlag xmlns:ma14="http://schemas.microsoft.com/office/mac/drawingml/2011/main" val="1"/>
+            </a:ext>
+          </a:extLst>
+        </p:spPr>
+        <p:txBody>
+          <a:bodyPr/>
+          <a:lstStyle/>
+          <a:p>
+            <a:pPr/>
+            <a:fld id="{86CB4B4D-7CA3-9044-876B-883B54F8677D}" type="slidenum"/>
+          </a:p>
+        </p:txBody>
+      </p:sp>
       <p:pic>
         <p:nvPicPr>
-          <p:cNvPr id="200" name="Mockup_Toggle_Bälle.png" descr="Mockup_Toggle_Bälle.png"/>
+          <p:cNvPr id="211" name="Mockup_Toggle_Bälle_v2_1.png" descr="Mockup_Toggle_Bälle_v2_1.png"/>
           <p:cNvPicPr>
             <a:picLocks noChangeAspect="1"/>
           </p:cNvPicPr>
@@ -6611,8 +7010,8 @@
         </p:blipFill>
         <p:spPr>
           <a:xfrm>
-            <a:off x="121904" y="3664647"/>
-            <a:ext cx="13944601" cy="9258301"/>
+            <a:off x="456697" y="2611708"/>
+            <a:ext cx="11972867" cy="10157830"/>
           </a:xfrm>
           <a:prstGeom prst="rect">
             <a:avLst/>
@@ -6624,110 +7023,20 @@
       </p:pic>
       <p:sp>
         <p:nvSpPr>
-          <p:cNvPr id="201" name="Diese visuell anspruchsvollere Ansicht ist erstmal ein optionales Feature und funktioniert analog zur normalen Ansicht (genaue visuelle Anforderungen können bei Umsetzung umgeändert/verbessert werden)"/>
+          <p:cNvPr id="212" name="Toggle all  =&gt;  alle aufklappen…"/>
           <p:cNvSpPr/>
           <p:nvPr/>
         </p:nvSpPr>
         <p:spPr>
           <a:xfrm>
-            <a:off x="731828" y="1095129"/>
-            <a:ext cx="21755446" cy="1360874"/>
+            <a:off x="13776856" y="2611708"/>
+            <a:ext cx="10369457" cy="10367979"/>
           </a:xfrm>
           <a:prstGeom prst="rect">
             <a:avLst/>
           </a:prstGeom>
           <a:solidFill>
-            <a:srgbClr val="D5D5D5"/>
-          </a:solidFill>
-          <a:ln w="12700">
-            <a:miter lim="400000"/>
-          </a:ln>
-          <a:extLst>
-            <a:ext uri="{C572A759-6A51-4108-AA02-DFA0A04FC94B}">
-              <ma14:wrappingTextBoxFlag xmlns:ma14="http://schemas.microsoft.com/office/mac/drawingml/2011/main" val="1"/>
-            </a:ext>
-          </a:extLst>
-        </p:spPr>
-        <p:txBody>
-          <a:bodyPr lIns="50800" tIns="50800" rIns="50800" bIns="50800" anchor="ctr"/>
-          <a:lstStyle>
-            <a:lvl1pPr defTabSz="825500">
-              <a:defRPr sz="3200">
-                <a:solidFill>
-                  <a:srgbClr val="000000"/>
-                </a:solidFill>
-                <a:latin typeface="Helvetica Neue Medium"/>
-                <a:ea typeface="Helvetica Neue Medium"/>
-                <a:cs typeface="Helvetica Neue Medium"/>
-                <a:sym typeface="Helvetica Neue Medium"/>
-              </a:defRPr>
-            </a:lvl1pPr>
-          </a:lstStyle>
-          <a:p>
-            <a:pPr/>
-            <a:r>
-              <a:t>Diese visuell anspruchsvollere Ansicht ist erstmal ein optionales Feature und funktioniert analog zur normalen Ansicht (genaue visuelle Anforderungen können bei Umsetzung umgeändert/verbessert werden)</a:t>
-            </a:r>
-          </a:p>
-        </p:txBody>
-      </p:sp>
-      <p:sp>
-        <p:nvSpPr>
-          <p:cNvPr id="202" name="Rectangle"/>
-          <p:cNvSpPr/>
-          <p:nvPr/>
-        </p:nvSpPr>
-        <p:spPr>
-          <a:xfrm>
-            <a:off x="12044790" y="6331830"/>
-            <a:ext cx="3133919" cy="6453042"/>
-          </a:xfrm>
-          <a:prstGeom prst="rect">
-            <a:avLst/>
-          </a:prstGeom>
-          <a:solidFill>
-            <a:srgbClr val="FFFFFF"/>
-          </a:solidFill>
-          <a:ln w="12700">
-            <a:miter lim="400000"/>
-          </a:ln>
-        </p:spPr>
-        <p:txBody>
-          <a:bodyPr lIns="50800" tIns="50800" rIns="50800" bIns="50800" anchor="ctr"/>
-          <a:lstStyle/>
-          <a:p>
-            <a:pPr defTabSz="825500">
-              <a:defRPr sz="3200">
-                <a:solidFill>
-                  <a:srgbClr val="FFFFFF"/>
-                </a:solidFill>
-                <a:latin typeface="Helvetica Neue Medium"/>
-                <a:ea typeface="Helvetica Neue Medium"/>
-                <a:cs typeface="Helvetica Neue Medium"/>
-                <a:sym typeface="Helvetica Neue Medium"/>
-              </a:defRPr>
-            </a:pPr>
-          </a:p>
-        </p:txBody>
-      </p:sp>
-      <p:sp>
-        <p:nvSpPr>
-          <p:cNvPr id="203" name="Toggle all  =&gt;  alle aufklappen…"/>
-          <p:cNvSpPr/>
-          <p:nvPr/>
-        </p:nvSpPr>
-        <p:spPr>
-          <a:xfrm>
-            <a:off x="12069591" y="2571326"/>
-            <a:ext cx="12183834" cy="10401188"/>
-          </a:xfrm>
-          <a:prstGeom prst="rect">
-            <a:avLst/>
-          </a:prstGeom>
-          <a:solidFill>
-            <a:srgbClr val="60D937">
-              <a:alpha val="80000"/>
-            </a:srgbClr>
+            <a:srgbClr val="60D937"/>
           </a:solidFill>
           <a:ln w="12700">
             <a:miter lim="400000"/>
@@ -6826,12 +7135,10 @@
             </a:r>
           </a:p>
           <a:p>
-            <a:pPr lvl="1" marL="1481666" indent="-592666" algn="l" defTabSz="825500">
+            <a:pPr algn="l" defTabSz="825500">
               <a:lnSpc>
                 <a:spcPct val="150000"/>
               </a:lnSpc>
-              <a:buSzPct val="100000"/>
-              <a:buAutoNum type="arabicPeriod" startAt="1"/>
               <a:defRPr sz="3200">
                 <a:solidFill>
                   <a:srgbClr val="000000"/>
@@ -6842,30 +7149,6 @@
                 <a:sym typeface="Helvetica Neue Medium"/>
               </a:defRPr>
             </a:pPr>
-            <a:r>
-              <a:t>Klick auf Arbeitsthema =&gt; Popup zeigt weitere Infos wie Url, Tags, Beschreibung, etc</a:t>
-            </a:r>
-          </a:p>
-          <a:p>
-            <a:pPr lvl="1" marL="1481666" indent="-592666" algn="l" defTabSz="825500">
-              <a:lnSpc>
-                <a:spcPct val="150000"/>
-              </a:lnSpc>
-              <a:buSzPct val="100000"/>
-              <a:buAutoNum type="arabicPeriod" startAt="1"/>
-              <a:defRPr sz="3200">
-                <a:solidFill>
-                  <a:srgbClr val="000000"/>
-                </a:solidFill>
-                <a:latin typeface="Helvetica Neue Medium"/>
-                <a:ea typeface="Helvetica Neue Medium"/>
-                <a:cs typeface="Helvetica Neue Medium"/>
-                <a:sym typeface="Helvetica Neue Medium"/>
-              </a:defRPr>
-            </a:pPr>
-            <a:r>
-              <a:t>Previous / Next Thema </a:t>
-            </a:r>
           </a:p>
           <a:p>
             <a:pPr algn="l" defTabSz="825500">
@@ -6939,13 +7222,13 @@
       </p:sp>
       <p:sp>
         <p:nvSpPr>
-          <p:cNvPr id="204" name="1"/>
+          <p:cNvPr id="213" name="1"/>
           <p:cNvSpPr/>
           <p:nvPr/>
         </p:nvSpPr>
         <p:spPr>
           <a:xfrm>
-            <a:off x="1142110" y="2711236"/>
+            <a:off x="147465" y="2936899"/>
             <a:ext cx="948359" cy="949720"/>
           </a:xfrm>
           <a:prstGeom prst="ellipse">
@@ -6984,14 +7267,14 @@
       </p:sp>
       <p:sp>
         <p:nvSpPr>
-          <p:cNvPr id="205" name="2"/>
+          <p:cNvPr id="214" name="2"/>
           <p:cNvSpPr/>
           <p:nvPr/>
         </p:nvSpPr>
         <p:spPr>
           <a:xfrm>
-            <a:off x="5807726" y="2711236"/>
-            <a:ext cx="948359" cy="949720"/>
+            <a:off x="5021886" y="2936899"/>
+            <a:ext cx="948358" cy="949720"/>
           </a:xfrm>
           <a:prstGeom prst="ellipse">
             <a:avLst/>
@@ -7029,13 +7312,13 @@
       </p:sp>
       <p:sp>
         <p:nvSpPr>
-          <p:cNvPr id="206" name="3"/>
+          <p:cNvPr id="215" name="3"/>
           <p:cNvSpPr/>
           <p:nvPr/>
         </p:nvSpPr>
         <p:spPr>
           <a:xfrm>
-            <a:off x="147465" y="5129969"/>
+            <a:off x="147465" y="5611183"/>
             <a:ext cx="948359" cy="949721"/>
           </a:xfrm>
           <a:prstGeom prst="ellipse">
@@ -7074,14 +7357,14 @@
       </p:sp>
       <p:sp>
         <p:nvSpPr>
-          <p:cNvPr id="207" name="4"/>
+          <p:cNvPr id="216" name="4"/>
           <p:cNvSpPr/>
           <p:nvPr/>
         </p:nvSpPr>
         <p:spPr>
           <a:xfrm>
-            <a:off x="337628" y="8272657"/>
-            <a:ext cx="948358" cy="949720"/>
+            <a:off x="1028784" y="10051431"/>
+            <a:ext cx="948359" cy="949721"/>
           </a:xfrm>
           <a:prstGeom prst="ellipse">
             <a:avLst/>
@@ -7119,20 +7402,20 @@
       </p:sp>
       <p:sp>
         <p:nvSpPr>
-          <p:cNvPr id="208" name="5"/>
+          <p:cNvPr id="217" name="Diese visuell anspruchsvollere Ansicht ist erstmal ein optionales Feature und funktioniert analog zur normalen Ansicht (genaue visuelle Anforderungen können bei Umsetzung umgeändert/verbessert werden)"/>
           <p:cNvSpPr/>
           <p:nvPr/>
         </p:nvSpPr>
         <p:spPr>
           <a:xfrm>
-            <a:off x="1320360" y="10269589"/>
-            <a:ext cx="948358" cy="949720"/>
+            <a:off x="731828" y="1095129"/>
+            <a:ext cx="21755446" cy="1360874"/>
           </a:xfrm>
-          <a:prstGeom prst="ellipse">
+          <a:prstGeom prst="rect">
             <a:avLst/>
           </a:prstGeom>
           <a:solidFill>
-            <a:srgbClr val="60D937"/>
+            <a:srgbClr val="D5D5D5"/>
           </a:solidFill>
           <a:ln w="12700">
             <a:miter lim="400000"/>
@@ -7147,100 +7430,28 @@
           <a:bodyPr lIns="50800" tIns="50800" rIns="50800" bIns="50800" anchor="ctr"/>
           <a:lstStyle>
             <a:lvl1pPr defTabSz="825500">
-              <a:defRPr b="1" sz="3700">
+              <a:defRPr sz="3200">
                 <a:solidFill>
                   <a:srgbClr val="000000"/>
                 </a:solidFill>
+                <a:latin typeface="Helvetica Neue Medium"/>
+                <a:ea typeface="Helvetica Neue Medium"/>
+                <a:cs typeface="Helvetica Neue Medium"/>
+                <a:sym typeface="Helvetica Neue Medium"/>
               </a:defRPr>
             </a:lvl1pPr>
           </a:lstStyle>
           <a:p>
             <a:pPr/>
             <a:r>
-              <a:t>5</a:t>
-            </a:r>
-          </a:p>
-        </p:txBody>
-      </p:sp>
-      <p:sp>
-        <p:nvSpPr>
-          <p:cNvPr id="209" name="6"/>
-          <p:cNvSpPr/>
-          <p:nvPr/>
-        </p:nvSpPr>
-        <p:spPr>
-          <a:xfrm>
-            <a:off x="8275986" y="8272657"/>
-            <a:ext cx="948359" cy="949720"/>
-          </a:xfrm>
-          <a:prstGeom prst="ellipse">
-            <a:avLst/>
-          </a:prstGeom>
-          <a:solidFill>
-            <a:srgbClr val="60D937"/>
-          </a:solidFill>
-          <a:ln w="12700">
-            <a:miter lim="400000"/>
-          </a:ln>
-          <a:extLst>
-            <a:ext uri="{C572A759-6A51-4108-AA02-DFA0A04FC94B}">
-              <ma14:wrappingTextBoxFlag xmlns:ma14="http://schemas.microsoft.com/office/mac/drawingml/2011/main" val="1"/>
-            </a:ext>
-          </a:extLst>
-        </p:spPr>
-        <p:txBody>
-          <a:bodyPr lIns="50800" tIns="50800" rIns="50800" bIns="50800" anchor="ctr"/>
-          <a:lstStyle>
-            <a:lvl1pPr defTabSz="825500">
-              <a:defRPr b="1" sz="3700">
-                <a:solidFill>
-                  <a:srgbClr val="000000"/>
-                </a:solidFill>
-              </a:defRPr>
-            </a:lvl1pPr>
-          </a:lstStyle>
-          <a:p>
-            <a:pPr/>
-            <a:r>
-              <a:t>6</a:t>
-            </a:r>
-          </a:p>
-        </p:txBody>
-      </p:sp>
-      <p:sp>
-        <p:nvSpPr>
-          <p:cNvPr id="210" name="Slide Number"/>
-          <p:cNvSpPr txBox="1"/>
-          <p:nvPr>
-            <p:ph type="sldNum" sz="quarter" idx="4294967295"/>
-          </p:nvPr>
-        </p:nvSpPr>
-        <p:spPr>
-          <a:xfrm>
-            <a:off x="12065050" y="13080999"/>
-            <a:ext cx="241403" cy="374600"/>
-          </a:xfrm>
-          <a:prstGeom prst="rect">
-            <a:avLst/>
-          </a:prstGeom>
-          <a:extLst>
-            <a:ext uri="{C572A759-6A51-4108-AA02-DFA0A04FC94B}">
-              <ma14:wrappingTextBoxFlag xmlns:ma14="http://schemas.microsoft.com/office/mac/drawingml/2011/main" val="1"/>
-            </a:ext>
-          </a:extLst>
-        </p:spPr>
-        <p:txBody>
-          <a:bodyPr/>
-          <a:lstStyle/>
-          <a:p>
-            <a:pPr/>
-            <a:fld id="{86CB4B4D-7CA3-9044-876B-883B54F8677D}" type="slidenum"/>
-          </a:p>
-        </p:txBody>
-      </p:sp>
-      <p:sp>
-        <p:nvSpPr>
-          <p:cNvPr id="211" name="Wireframes und Funktionalitäten"/>
+              <a:t>Diese visuell anspruchsvollere Ansicht ist erstmal ein optionales Feature und funktioniert analog zur normalen Ansicht (genaue visuelle Anforderungen können bei Umsetzung umgeändert/verbessert werden)</a:t>
+            </a:r>
+          </a:p>
+        </p:txBody>
+      </p:sp>
+      <p:sp>
+        <p:nvSpPr>
+          <p:cNvPr id="218" name="Wireframes und Funktionalitäten"/>
           <p:cNvSpPr/>
           <p:nvPr/>
         </p:nvSpPr>
@@ -7313,22 +7524,55 @@
           <a:chExt cx="0" cy="0"/>
         </a:xfrm>
       </p:grpSpPr>
-      <p:sp>
-        <p:nvSpPr>
-          <p:cNvPr id="213" name="Slide Number"/>
-          <p:cNvSpPr txBox="1"/>
-          <p:nvPr>
-            <p:ph type="sldNum" sz="quarter" idx="4294967295"/>
-          </p:nvPr>
-        </p:nvSpPr>
+      <p:pic>
+        <p:nvPicPr>
+          <p:cNvPr id="220" name="Mockup_Toggle_Bälle_v2_2.png" descr="Mockup_Toggle_Bälle_v2_2.png"/>
+          <p:cNvPicPr>
+            <a:picLocks noChangeAspect="1"/>
+          </p:cNvPicPr>
+          <p:nvPr/>
+        </p:nvPicPr>
+        <p:blipFill>
+          <a:blip r:embed="rId2">
+            <a:extLst/>
+          </a:blip>
+          <a:stretch>
+            <a:fillRect/>
+          </a:stretch>
+        </p:blipFill>
         <p:spPr>
           <a:xfrm>
-            <a:off x="12065050" y="13080999"/>
-            <a:ext cx="241403" cy="374600"/>
+            <a:off x="499231" y="2283566"/>
+            <a:ext cx="13286791" cy="9040122"/>
           </a:xfrm>
           <a:prstGeom prst="rect">
             <a:avLst/>
           </a:prstGeom>
+          <a:ln w="12700">
+            <a:miter lim="400000"/>
+          </a:ln>
+        </p:spPr>
+      </p:pic>
+      <p:sp>
+        <p:nvSpPr>
+          <p:cNvPr id="221" name="Klick auf Arbeitsthema =&gt; Popup zeigt weitere Infos wie Url, Tags, Beschreibung, etc…"/>
+          <p:cNvSpPr/>
+          <p:nvPr/>
+        </p:nvSpPr>
+        <p:spPr>
+          <a:xfrm>
+            <a:off x="13776856" y="2791790"/>
+            <a:ext cx="10369457" cy="4738115"/>
+          </a:xfrm>
+          <a:prstGeom prst="rect">
+            <a:avLst/>
+          </a:prstGeom>
+          <a:solidFill>
+            <a:srgbClr val="60D937"/>
+          </a:solidFill>
+          <a:ln w="12700">
+            <a:miter lim="400000"/>
+          </a:ln>
           <a:extLst>
             <a:ext uri="{C572A759-6A51-4108-AA02-DFA0A04FC94B}">
               <ma14:wrappingTextBoxFlag xmlns:ma14="http://schemas.microsoft.com/office/mac/drawingml/2011/main" val="1"/>
@@ -7336,42 +7580,322 @@
           </a:extLst>
         </p:spPr>
         <p:txBody>
-          <a:bodyPr/>
+          <a:bodyPr lIns="50800" tIns="50800" rIns="50800" bIns="50800"/>
           <a:lstStyle/>
           <a:p>
-            <a:pPr/>
-            <a:fld id="{86CB4B4D-7CA3-9044-876B-883B54F8677D}" type="slidenum"/>
-          </a:p>
-        </p:txBody>
-      </p:sp>
-      <p:sp>
-        <p:nvSpPr>
-          <p:cNvPr id="214" name="Rectangle"/>
+            <a:pPr algn="l" defTabSz="825500">
+              <a:lnSpc>
+                <a:spcPct val="150000"/>
+              </a:lnSpc>
+              <a:defRPr sz="3200">
+                <a:solidFill>
+                  <a:srgbClr val="000000"/>
+                </a:solidFill>
+                <a:latin typeface="Helvetica Neue Medium"/>
+                <a:ea typeface="Helvetica Neue Medium"/>
+                <a:cs typeface="Helvetica Neue Medium"/>
+                <a:sym typeface="Helvetica Neue Medium"/>
+              </a:defRPr>
+            </a:pPr>
+          </a:p>
+          <a:p>
+            <a:pPr lvl="1" marL="1481666" indent="-592666" algn="l" defTabSz="825500">
+              <a:lnSpc>
+                <a:spcPct val="150000"/>
+              </a:lnSpc>
+              <a:buSzPct val="100000"/>
+              <a:buAutoNum type="arabicPeriod" startAt="1"/>
+              <a:defRPr sz="3200">
+                <a:solidFill>
+                  <a:srgbClr val="000000"/>
+                </a:solidFill>
+                <a:latin typeface="Helvetica Neue Medium"/>
+                <a:ea typeface="Helvetica Neue Medium"/>
+                <a:cs typeface="Helvetica Neue Medium"/>
+                <a:sym typeface="Helvetica Neue Medium"/>
+              </a:defRPr>
+            </a:pPr>
+            <a:r>
+              <a:t>Klick auf Arbeitsthema =&gt; Popup zeigt weitere Infos wie Url, Tags, Beschreibung, etc</a:t>
+            </a:r>
+          </a:p>
+          <a:p>
+            <a:pPr lvl="1" marL="1481666" indent="-592666" algn="l" defTabSz="825500">
+              <a:lnSpc>
+                <a:spcPct val="150000"/>
+              </a:lnSpc>
+              <a:buSzPct val="100000"/>
+              <a:buAutoNum type="arabicPeriod" startAt="1"/>
+              <a:defRPr sz="3200">
+                <a:solidFill>
+                  <a:srgbClr val="000000"/>
+                </a:solidFill>
+                <a:latin typeface="Helvetica Neue Medium"/>
+                <a:ea typeface="Helvetica Neue Medium"/>
+                <a:cs typeface="Helvetica Neue Medium"/>
+                <a:sym typeface="Helvetica Neue Medium"/>
+              </a:defRPr>
+            </a:pPr>
+            <a:r>
+              <a:t>Vorheriges Thema</a:t>
+            </a:r>
+          </a:p>
+          <a:p>
+            <a:pPr lvl="1" marL="1481666" indent="-592666" algn="l" defTabSz="825500">
+              <a:lnSpc>
+                <a:spcPct val="150000"/>
+              </a:lnSpc>
+              <a:buSzPct val="100000"/>
+              <a:buAutoNum type="arabicPeriod" startAt="1"/>
+              <a:defRPr sz="3200">
+                <a:solidFill>
+                  <a:srgbClr val="000000"/>
+                </a:solidFill>
+                <a:latin typeface="Helvetica Neue Medium"/>
+                <a:ea typeface="Helvetica Neue Medium"/>
+                <a:cs typeface="Helvetica Neue Medium"/>
+                <a:sym typeface="Helvetica Neue Medium"/>
+              </a:defRPr>
+            </a:pPr>
+            <a:r>
+              <a:t>Nächstes Thema </a:t>
+            </a:r>
+          </a:p>
+          <a:p>
+            <a:pPr algn="l" defTabSz="825500">
+              <a:lnSpc>
+                <a:spcPct val="200000"/>
+              </a:lnSpc>
+              <a:defRPr sz="3200">
+                <a:solidFill>
+                  <a:srgbClr val="000000"/>
+                </a:solidFill>
+                <a:latin typeface="Helvetica Neue Medium"/>
+                <a:ea typeface="Helvetica Neue Medium"/>
+                <a:cs typeface="Helvetica Neue Medium"/>
+                <a:sym typeface="Helvetica Neue Medium"/>
+              </a:defRPr>
+            </a:pPr>
+          </a:p>
+        </p:txBody>
+      </p:sp>
+      <p:sp>
+        <p:nvSpPr>
+          <p:cNvPr id="222" name="1"/>
           <p:cNvSpPr/>
           <p:nvPr/>
         </p:nvSpPr>
         <p:spPr>
           <a:xfrm>
-            <a:off x="-10592" y="-25781"/>
-            <a:ext cx="24405184" cy="13767562"/>
+            <a:off x="147465" y="3181395"/>
+            <a:ext cx="948359" cy="949721"/>
           </a:xfrm>
-          <a:prstGeom prst="rect">
+          <a:prstGeom prst="ellipse">
             <a:avLst/>
           </a:prstGeom>
           <a:solidFill>
-            <a:schemeClr val="accent1">
-              <a:lumOff val="-13575"/>
-            </a:schemeClr>
+            <a:srgbClr val="60D937"/>
           </a:solidFill>
           <a:ln w="12700">
             <a:miter lim="400000"/>
           </a:ln>
+          <a:extLst>
+            <a:ext uri="{C572A759-6A51-4108-AA02-DFA0A04FC94B}">
+              <ma14:wrappingTextBoxFlag xmlns:ma14="http://schemas.microsoft.com/office/mac/drawingml/2011/main" val="1"/>
+            </a:ext>
+          </a:extLst>
+        </p:spPr>
+        <p:txBody>
+          <a:bodyPr lIns="50800" tIns="50800" rIns="50800" bIns="50800" anchor="ctr"/>
+          <a:lstStyle>
+            <a:lvl1pPr defTabSz="825500">
+              <a:defRPr b="1" sz="3700">
+                <a:solidFill>
+                  <a:srgbClr val="000000"/>
+                </a:solidFill>
+              </a:defRPr>
+            </a:lvl1pPr>
+          </a:lstStyle>
+          <a:p>
+            <a:pPr/>
+            <a:r>
+              <a:t>1</a:t>
+            </a:r>
+          </a:p>
+        </p:txBody>
+      </p:sp>
+      <p:sp>
+        <p:nvSpPr>
+          <p:cNvPr id="223" name="2"/>
+          <p:cNvSpPr/>
+          <p:nvPr/>
+        </p:nvSpPr>
+        <p:spPr>
+          <a:xfrm>
+            <a:off x="6885930" y="4619001"/>
+            <a:ext cx="948359" cy="949720"/>
+          </a:xfrm>
+          <a:prstGeom prst="ellipse">
+            <a:avLst/>
+          </a:prstGeom>
+          <a:solidFill>
+            <a:srgbClr val="60D937"/>
+          </a:solidFill>
+          <a:ln w="12700">
+            <a:miter lim="400000"/>
+          </a:ln>
+          <a:extLst>
+            <a:ext uri="{C572A759-6A51-4108-AA02-DFA0A04FC94B}">
+              <ma14:wrappingTextBoxFlag xmlns:ma14="http://schemas.microsoft.com/office/mac/drawingml/2011/main" val="1"/>
+            </a:ext>
+          </a:extLst>
+        </p:spPr>
+        <p:txBody>
+          <a:bodyPr lIns="50800" tIns="50800" rIns="50800" bIns="50800" anchor="ctr"/>
+          <a:lstStyle>
+            <a:lvl1pPr defTabSz="825500">
+              <a:defRPr b="1" sz="3700">
+                <a:solidFill>
+                  <a:srgbClr val="000000"/>
+                </a:solidFill>
+              </a:defRPr>
+            </a:lvl1pPr>
+          </a:lstStyle>
+          <a:p>
+            <a:pPr/>
+            <a:r>
+              <a:t>2</a:t>
+            </a:r>
+          </a:p>
+        </p:txBody>
+      </p:sp>
+      <p:sp>
+        <p:nvSpPr>
+          <p:cNvPr id="224" name="3"/>
+          <p:cNvSpPr/>
+          <p:nvPr/>
+        </p:nvSpPr>
+        <p:spPr>
+          <a:xfrm>
+            <a:off x="8201720" y="5050109"/>
+            <a:ext cx="948359" cy="949721"/>
+          </a:xfrm>
+          <a:prstGeom prst="ellipse">
+            <a:avLst/>
+          </a:prstGeom>
+          <a:solidFill>
+            <a:srgbClr val="60D937"/>
+          </a:solidFill>
+          <a:ln w="12700">
+            <a:miter lim="400000"/>
+          </a:ln>
+          <a:extLst>
+            <a:ext uri="{C572A759-6A51-4108-AA02-DFA0A04FC94B}">
+              <ma14:wrappingTextBoxFlag xmlns:ma14="http://schemas.microsoft.com/office/mac/drawingml/2011/main" val="1"/>
+            </a:ext>
+          </a:extLst>
+        </p:spPr>
+        <p:txBody>
+          <a:bodyPr lIns="50800" tIns="50800" rIns="50800" bIns="50800" anchor="ctr"/>
+          <a:lstStyle>
+            <a:lvl1pPr defTabSz="825500">
+              <a:defRPr b="1" sz="3700">
+                <a:solidFill>
+                  <a:srgbClr val="000000"/>
+                </a:solidFill>
+              </a:defRPr>
+            </a:lvl1pPr>
+          </a:lstStyle>
+          <a:p>
+            <a:pPr/>
+            <a:r>
+              <a:t>3</a:t>
+            </a:r>
+          </a:p>
+        </p:txBody>
+      </p:sp>
+      <p:sp>
+        <p:nvSpPr>
+          <p:cNvPr id="225" name="Hier ist eine Teilansicht aus der vorherigen Folien, aber hier wurde ein Thema selektiert"/>
+          <p:cNvSpPr/>
+          <p:nvPr/>
+        </p:nvSpPr>
+        <p:spPr>
+          <a:xfrm>
+            <a:off x="731828" y="1095129"/>
+            <a:ext cx="21755446" cy="945970"/>
+          </a:xfrm>
+          <a:prstGeom prst="rect">
+            <a:avLst/>
+          </a:prstGeom>
+          <a:solidFill>
+            <a:srgbClr val="D5D5D5"/>
+          </a:solidFill>
+          <a:ln w="12700">
+            <a:miter lim="400000"/>
+          </a:ln>
+          <a:extLst>
+            <a:ext uri="{C572A759-6A51-4108-AA02-DFA0A04FC94B}">
+              <ma14:wrappingTextBoxFlag xmlns:ma14="http://schemas.microsoft.com/office/mac/drawingml/2011/main" val="1"/>
+            </a:ext>
+          </a:extLst>
+        </p:spPr>
+        <p:txBody>
+          <a:bodyPr lIns="50800" tIns="50800" rIns="50800" bIns="50800" anchor="ctr"/>
+          <a:lstStyle>
+            <a:lvl1pPr defTabSz="825500">
+              <a:defRPr sz="3200">
+                <a:solidFill>
+                  <a:srgbClr val="000000"/>
+                </a:solidFill>
+                <a:latin typeface="Helvetica Neue Medium"/>
+                <a:ea typeface="Helvetica Neue Medium"/>
+                <a:cs typeface="Helvetica Neue Medium"/>
+                <a:sym typeface="Helvetica Neue Medium"/>
+              </a:defRPr>
+            </a:lvl1pPr>
+          </a:lstStyle>
+          <a:p>
+            <a:pPr/>
+            <a:r>
+              <a:t>Hier ist eine Teilansicht aus der vorherigen Folien, aber hier wurde ein Thema selektiert</a:t>
+            </a:r>
+          </a:p>
+        </p:txBody>
+      </p:sp>
+      <p:sp>
+        <p:nvSpPr>
+          <p:cNvPr id="226" name="Wireframes und Funktionalitäten"/>
+          <p:cNvSpPr/>
+          <p:nvPr/>
+        </p:nvSpPr>
+        <p:spPr>
+          <a:xfrm>
+            <a:off x="-80276" y="-83428"/>
+            <a:ext cx="15621561" cy="936090"/>
+          </a:xfrm>
+          <a:prstGeom prst="rect">
+            <a:avLst/>
+          </a:prstGeom>
+          <a:solidFill>
+            <a:srgbClr val="8D52FD">
+              <a:alpha val="45123"/>
+            </a:srgbClr>
+          </a:solidFill>
+          <a:ln w="12700">
+            <a:miter lim="400000"/>
+          </a:ln>
+          <a:extLst>
+            <a:ext uri="{C572A759-6A51-4108-AA02-DFA0A04FC94B}">
+              <ma14:wrappingTextBoxFlag xmlns:ma14="http://schemas.microsoft.com/office/mac/drawingml/2011/main" val="1"/>
+            </a:ext>
+          </a:extLst>
         </p:spPr>
         <p:txBody>
           <a:bodyPr lIns="50800" tIns="50800" rIns="50800" bIns="50800" anchor="ctr"/>
           <a:lstStyle/>
           <a:p>
-            <a:pPr defTabSz="825500">
+            <a:pPr lvl="2" algn="l" defTabSz="825500">
               <a:defRPr sz="3200">
                 <a:solidFill>
                   <a:srgbClr val="FFFFFF"/>
@@ -7382,26 +7906,28 @@
                 <a:sym typeface="Helvetica Neue Medium"/>
               </a:defRPr>
             </a:pPr>
-          </a:p>
-        </p:txBody>
-      </p:sp>
-      <p:sp>
-        <p:nvSpPr>
-          <p:cNvPr id="215" name="3. Anwendungsstruktur"/>
+            <a:r>
+              <a:t>Wireframes und Funktionalitäten</a:t>
+            </a:r>
+          </a:p>
+        </p:txBody>
+      </p:sp>
+      <p:sp>
+        <p:nvSpPr>
+          <p:cNvPr id="227" name="Slide Number"/>
           <p:cNvSpPr txBox="1"/>
-          <p:nvPr/>
+          <p:nvPr>
+            <p:ph type="sldNum" sz="quarter" idx="4294967295"/>
+          </p:nvPr>
         </p:nvSpPr>
         <p:spPr>
           <a:xfrm>
-            <a:off x="719277" y="3095261"/>
-            <a:ext cx="22756808" cy="1726185"/>
+            <a:off x="12065050" y="13080999"/>
+            <a:ext cx="241403" cy="374600"/>
           </a:xfrm>
           <a:prstGeom prst="rect">
             <a:avLst/>
           </a:prstGeom>
-          <a:ln w="12700">
-            <a:miter lim="400000"/>
-          </a:ln>
           <a:extLst>
             <a:ext uri="{C572A759-6A51-4108-AA02-DFA0A04FC94B}">
               <ma14:wrappingTextBoxFlag xmlns:ma14="http://schemas.microsoft.com/office/mac/drawingml/2011/main" val="1"/>
@@ -7409,23 +7935,11 @@
           </a:extLst>
         </p:spPr>
         <p:txBody>
-          <a:bodyPr lIns="50800" tIns="50800" rIns="50800" bIns="50800" anchor="ctr">
-            <a:spAutoFit/>
-          </a:bodyPr>
-          <a:lstStyle>
-            <a:lvl1pPr algn="l">
-              <a:defRPr sz="11000">
-                <a:solidFill>
-                  <a:srgbClr val="FFFFFF"/>
-                </a:solidFill>
-              </a:defRPr>
-            </a:lvl1pPr>
-          </a:lstStyle>
+          <a:bodyPr/>
+          <a:lstStyle/>
           <a:p>
             <a:pPr/>
-            <a:r>
-              <a:t>3. Anwendungsstruktur</a:t>
-            </a:r>
+            <a:fld id="{86CB4B4D-7CA3-9044-876B-883B54F8677D}" type="slidenum"/>
           </a:p>
         </p:txBody>
       </p:sp>
